--- a/Edible Wedding Cakefinall.pptx
+++ b/Edible Wedding Cakefinall.pptx
@@ -3904,10 +3904,19 @@
                                 </m:dPr>
                                 <m:e>
                                   <m:r>
+                                    <m:rPr>
+                                      <m:sty m:val="p"/>
+                                    </m:rPr>
+                                    <a:rPr lang="en-US" sz="1400" b="0" i="0" smtClean="0">
+                                      <a:latin typeface="Cambria Math" panose="02040503050406030204" pitchFamily="18" charset="0"/>
+                                    </a:rPr>
+                                    <m:t>r</m:t>
+                                  </m:r>
+                                  <m:r>
                                     <a:rPr lang="en-US" sz="1400" i="0">
                                       <a:latin typeface="Cambria Math" panose="02040503050406030204" pitchFamily="18" charset="0"/>
                                     </a:rPr>
-                                    <m:t>0.05−</m:t>
+                                    <m:t>−</m:t>
                                   </m:r>
                                   <m:f>
                                     <m:fPr>
@@ -4067,10 +4076,19 @@
                         </m:dPr>
                         <m:e>
                           <m:r>
+                            <m:rPr>
+                              <m:sty m:val="p"/>
+                            </m:rPr>
+                            <a:rPr lang="en-US" sz="1400" b="0" i="0" smtClean="0">
+                              <a:latin typeface="Cambria Math" panose="02040503050406030204" pitchFamily="18" charset="0"/>
+                            </a:rPr>
+                            <m:t>r</m:t>
+                          </m:r>
+                          <m:r>
                             <a:rPr lang="en-US" sz="1400" i="0">
                               <a:latin typeface="Cambria Math" panose="02040503050406030204" pitchFamily="18" charset="0"/>
                             </a:rPr>
-                            <m:t>0.05−</m:t>
+                            <m:t>−</m:t>
                           </m:r>
                           <m:f>
                             <m:fPr>
@@ -4238,7 +4256,7 @@
                           <a:rPr lang="en-US" sz="1400" b="0" i="1" smtClean="0">
                             <a:latin typeface="Cambria Math" panose="02040503050406030204" pitchFamily="18" charset="0"/>
                           </a:rPr>
-                          <m:t>0.05</m:t>
+                          <m:t>𝑟</m:t>
                         </m:r>
                       </m:sup>
                     </m:sSup>
@@ -4246,7 +4264,7 @@
                       <a:rPr lang="en-US" sz="1400" b="0" i="1" smtClean="0">
                         <a:latin typeface="Cambria Math" panose="02040503050406030204" pitchFamily="18" charset="0"/>
                       </a:rPr>
-                      <m:t>, </m:t>
+                      <m:t>−1, </m:t>
                     </m:r>
                     <m:r>
                       <a:rPr lang="en-US" sz="1400" b="0" i="1" smtClean="0">
@@ -5004,7 +5022,7 @@
                       <a:rPr lang="en-US" sz="1400" b="0" i="1" smtClean="0">
                         <a:latin typeface="Cambria Math" panose="02040503050406030204" pitchFamily="18" charset="0"/>
                       </a:rPr>
-                      <m:t>, </m:t>
+                      <m:t>−1, </m:t>
                     </m:r>
                     <m:r>
                       <a:rPr lang="en-US" sz="1400" b="0" i="1" smtClean="0">
@@ -5123,13 +5141,7 @@
                           <a:rPr lang="en-US" sz="1400" b="0" i="1" smtClean="0">
                             <a:latin typeface="Cambria Math" panose="02040503050406030204" pitchFamily="18" charset="0"/>
                           </a:rPr>
-                          <m:t>2</m:t>
-                        </m:r>
-                        <m:r>
-                          <a:rPr lang="en-US" sz="1400" b="0" i="1" smtClean="0">
-                            <a:latin typeface="Cambria Math" panose="02040503050406030204" pitchFamily="18" charset="0"/>
-                          </a:rPr>
-                          <m:t>𝑟</m:t>
+                          <m:t>0.1</m:t>
                         </m:r>
                       </m:sup>
                     </m:sSup>
@@ -5846,10 +5858,19 @@
                                 </m:dPr>
                                 <m:e>
                                   <m:r>
+                                    <m:rPr>
+                                      <m:sty m:val="p"/>
+                                    </m:rPr>
+                                    <a:rPr lang="en-US" sz="1400" b="0" i="0" smtClean="0">
+                                      <a:latin typeface="Cambria Math" panose="02040503050406030204" pitchFamily="18" charset="0"/>
+                                    </a:rPr>
+                                    <m:t>r</m:t>
+                                  </m:r>
+                                  <m:r>
                                     <a:rPr lang="en-US" sz="1400" i="0">
                                       <a:latin typeface="Cambria Math" panose="02040503050406030204" pitchFamily="18" charset="0"/>
                                     </a:rPr>
-                                    <m:t>0.05−</m:t>
+                                    <m:t>−</m:t>
                                   </m:r>
                                   <m:f>
                                     <m:fPr>
@@ -6009,10 +6030,19 @@
                         </m:dPr>
                         <m:e>
                           <m:r>
+                            <m:rPr>
+                              <m:sty m:val="p"/>
+                            </m:rPr>
+                            <a:rPr lang="en-US" sz="1400" b="0" i="0" smtClean="0">
+                              <a:latin typeface="Cambria Math" panose="02040503050406030204" pitchFamily="18" charset="0"/>
+                            </a:rPr>
+                            <m:t>r</m:t>
+                          </m:r>
+                          <m:r>
                             <a:rPr lang="en-US" sz="1400" i="0">
                               <a:latin typeface="Cambria Math" panose="02040503050406030204" pitchFamily="18" charset="0"/>
                             </a:rPr>
-                            <m:t>0.05−</m:t>
+                            <m:t>−</m:t>
                           </m:r>
                           <m:f>
                             <m:fPr>
@@ -6180,7 +6210,7 @@
                           <a:rPr lang="en-US" sz="1400" b="0" i="1" smtClean="0">
                             <a:latin typeface="Cambria Math" panose="02040503050406030204" pitchFamily="18" charset="0"/>
                           </a:rPr>
-                          <m:t>0.05</m:t>
+                          <m:t>𝑟</m:t>
                         </m:r>
                       </m:sup>
                     </m:sSup>
@@ -6188,7 +6218,7 @@
                       <a:rPr lang="en-US" sz="1400" b="0" i="1" smtClean="0">
                         <a:latin typeface="Cambria Math" panose="02040503050406030204" pitchFamily="18" charset="0"/>
                       </a:rPr>
-                      <m:t>, </m:t>
+                      <m:t>−1, </m:t>
                     </m:r>
                     <m:r>
                       <a:rPr lang="en-US" sz="1400" b="0" i="1" smtClean="0">
@@ -6375,432 +6405,6 @@
           </p:sp>
         </mc:Fallback>
       </mc:AlternateContent>
-      <mc:AlternateContent xmlns:mc="http://schemas.openxmlformats.org/markup-compatibility/2006" xmlns:a14="http://schemas.microsoft.com/office/drawing/2010/main">
-        <mc:Choice Requires="a14">
-          <p:sp>
-            <p:nvSpPr>
-              <p:cNvPr id="6" name="Rectangle 5">
-                <a:extLst>
-                  <a:ext uri="{FF2B5EF4-FFF2-40B4-BE49-F238E27FC236}">
-                    <a16:creationId xmlns:a16="http://schemas.microsoft.com/office/drawing/2014/main" id="{8BDD29EE-988A-BB40-9A39-6EAEB96135B1}"/>
-                  </a:ext>
-                </a:extLst>
-              </p:cNvPr>
-              <p:cNvSpPr/>
-              <p:nvPr/>
-            </p:nvSpPr>
-            <p:spPr>
-              <a:xfrm>
-                <a:off x="5043057" y="1736821"/>
-                <a:ext cx="4572000" cy="934871"/>
-              </a:xfrm>
-              <a:prstGeom prst="rect">
-                <a:avLst/>
-              </a:prstGeom>
-            </p:spPr>
-            <p:txBody>
-              <a:bodyPr>
-                <a:spAutoFit/>
-              </a:bodyPr>
-              <a:lstStyle/>
-              <a:p>
-                <a:pPr fontAlgn="base">
-                  <a:lnSpc>
-                    <a:spcPct val="115000"/>
-                  </a:lnSpc>
-                </a:pPr>
-                <a14:m>
-                  <m:oMathPara xmlns:m="http://schemas.openxmlformats.org/officeDocument/2006/math">
-                    <m:oMathParaPr>
-                      <m:jc m:val="centerGroup"/>
-                    </m:oMathParaPr>
-                    <m:oMath xmlns:m="http://schemas.openxmlformats.org/officeDocument/2006/math">
-                      <m:sSub>
-                        <m:sSubPr>
-                          <m:ctrlPr>
-                            <a:rPr lang="en-US" sz="1400" i="1">
-                              <a:latin typeface="Cambria Math" panose="02040503050406030204" pitchFamily="18" charset="0"/>
-                              <a:ea typeface="Times New Roman" panose="02020603050405020304" pitchFamily="18" charset="0"/>
-                              <a:cs typeface="TH SarabunPSK" panose="020B0500040200020003" pitchFamily="34" charset="-34"/>
-                            </a:rPr>
-                          </m:ctrlPr>
-                        </m:sSubPr>
-                        <m:e>
-                          <m:r>
-                            <a:rPr lang="en-US" sz="1400" i="1">
-                              <a:latin typeface="Cambria Math" panose="02040503050406030204" pitchFamily="18" charset="0"/>
-                              <a:ea typeface="Times New Roman" panose="02020603050405020304" pitchFamily="18" charset="0"/>
-                              <a:cs typeface="TH SarabunPSK" panose="020B0500040200020003" pitchFamily="34" charset="-34"/>
-                            </a:rPr>
-                            <m:t>𝑆</m:t>
-                          </m:r>
-                        </m:e>
-                        <m:sub>
-                          <m:sSub>
-                            <m:sSubPr>
-                              <m:ctrlPr>
-                                <a:rPr lang="en-US" sz="1400" i="1">
-                                  <a:latin typeface="Cambria Math" panose="02040503050406030204" pitchFamily="18" charset="0"/>
-                                  <a:ea typeface="Times New Roman" panose="02020603050405020304" pitchFamily="18" charset="0"/>
-                                  <a:cs typeface="TH SarabunPSK" panose="020B0500040200020003" pitchFamily="34" charset="-34"/>
-                                </a:rPr>
-                              </m:ctrlPr>
-                            </m:sSubPr>
-                            <m:e>
-                              <m:r>
-                                <a:rPr lang="en-US" sz="1400" i="1">
-                                  <a:latin typeface="Cambria Math" panose="02040503050406030204" pitchFamily="18" charset="0"/>
-                                  <a:ea typeface="Times New Roman" panose="02020603050405020304" pitchFamily="18" charset="0"/>
-                                  <a:cs typeface="TH SarabunPSK" panose="020B0500040200020003" pitchFamily="34" charset="-34"/>
-                                </a:rPr>
-                                <m:t>𝑡</m:t>
-                              </m:r>
-                            </m:e>
-                            <m:sub>
-                              <m:r>
-                                <a:rPr lang="en-US" sz="1400" i="1">
-                                  <a:latin typeface="Cambria Math" panose="02040503050406030204" pitchFamily="18" charset="0"/>
-                                  <a:ea typeface="Times New Roman" panose="02020603050405020304" pitchFamily="18" charset="0"/>
-                                  <a:cs typeface="TH SarabunPSK" panose="020B0500040200020003" pitchFamily="34" charset="-34"/>
-                                </a:rPr>
-                                <m:t>0</m:t>
-                              </m:r>
-                            </m:sub>
-                          </m:sSub>
-                        </m:sub>
-                      </m:sSub>
-                      <m:r>
-                        <a:rPr lang="en-US" sz="1400" i="1">
-                          <a:latin typeface="Cambria Math" panose="02040503050406030204" pitchFamily="18" charset="0"/>
-                          <a:ea typeface="Times New Roman" panose="02020603050405020304" pitchFamily="18" charset="0"/>
-                          <a:cs typeface="TH SarabunPSK" panose="020B0500040200020003" pitchFamily="34" charset="-34"/>
-                        </a:rPr>
-                        <m:t>=100, </m:t>
-                      </m:r>
-                      <m:r>
-                        <a:rPr lang="en-US" sz="1400" i="1">
-                          <a:latin typeface="Cambria Math" panose="02040503050406030204" pitchFamily="18" charset="0"/>
-                          <a:ea typeface="Times New Roman" panose="02020603050405020304" pitchFamily="18" charset="0"/>
-                          <a:cs typeface="TH SarabunPSK" panose="020B0500040200020003" pitchFamily="34" charset="-34"/>
-                        </a:rPr>
-                        <m:t>𝑟</m:t>
-                      </m:r>
-                      <m:r>
-                        <a:rPr lang="en-US" sz="1400" i="1">
-                          <a:latin typeface="Cambria Math" panose="02040503050406030204" pitchFamily="18" charset="0"/>
-                          <a:ea typeface="Times New Roman" panose="02020603050405020304" pitchFamily="18" charset="0"/>
-                          <a:cs typeface="TH SarabunPSK" panose="020B0500040200020003" pitchFamily="34" charset="-34"/>
-                        </a:rPr>
-                        <m:t>=0.05, </m:t>
-                      </m:r>
-                      <m:sSub>
-                        <m:sSubPr>
-                          <m:ctrlPr>
-                            <a:rPr lang="en-US" sz="1400" i="1">
-                              <a:latin typeface="Cambria Math" panose="02040503050406030204" pitchFamily="18" charset="0"/>
-                              <a:ea typeface="Times New Roman" panose="02020603050405020304" pitchFamily="18" charset="0"/>
-                              <a:cs typeface="TH SarabunPSK" panose="020B0500040200020003" pitchFamily="34" charset="-34"/>
-                            </a:rPr>
-                          </m:ctrlPr>
-                        </m:sSubPr>
-                        <m:e>
-                          <m:r>
-                            <a:rPr lang="en-US" sz="1400" i="1">
-                              <a:latin typeface="Cambria Math" panose="02040503050406030204" pitchFamily="18" charset="0"/>
-                              <a:ea typeface="Times New Roman" panose="02020603050405020304" pitchFamily="18" charset="0"/>
-                              <a:cs typeface="TH SarabunPSK" panose="020B0500040200020003" pitchFamily="34" charset="-34"/>
-                            </a:rPr>
-                            <m:t>𝑡</m:t>
-                          </m:r>
-                        </m:e>
-                        <m:sub>
-                          <m:r>
-                            <a:rPr lang="en-US" sz="1400" i="1">
-                              <a:latin typeface="Cambria Math" panose="02040503050406030204" pitchFamily="18" charset="0"/>
-                              <a:ea typeface="Times New Roman" panose="02020603050405020304" pitchFamily="18" charset="0"/>
-                              <a:cs typeface="TH SarabunPSK" panose="020B0500040200020003" pitchFamily="34" charset="-34"/>
-                            </a:rPr>
-                            <m:t>𝑁</m:t>
-                          </m:r>
-                        </m:sub>
-                      </m:sSub>
-                      <m:r>
-                        <a:rPr lang="en-US" sz="1400" i="1">
-                          <a:latin typeface="Cambria Math" panose="02040503050406030204" pitchFamily="18" charset="0"/>
-                          <a:ea typeface="Times New Roman" panose="02020603050405020304" pitchFamily="18" charset="0"/>
-                          <a:cs typeface="TH SarabunPSK" panose="020B0500040200020003" pitchFamily="34" charset="-34"/>
-                        </a:rPr>
-                        <m:t>=5</m:t>
-                      </m:r>
-                    </m:oMath>
-                  </m:oMathPara>
-                </a14:m>
-                <a:endParaRPr lang="en-US" sz="2000" dirty="0">
-                  <a:effectLst/>
-                  <a:latin typeface="Times New Roman" panose="02020603050405020304" pitchFamily="18" charset="0"/>
-                  <a:ea typeface="Times New Roman" panose="02020603050405020304" pitchFamily="18" charset="0"/>
-                </a:endParaRPr>
-              </a:p>
-              <a:p>
-                <a:pPr algn="ctr" fontAlgn="base">
-                  <a:lnSpc>
-                    <a:spcPct val="115000"/>
-                  </a:lnSpc>
-                </a:pPr>
-                <a14:m>
-                  <m:oMathPara xmlns:m="http://schemas.openxmlformats.org/officeDocument/2006/math">
-                    <m:oMathParaPr>
-                      <m:jc m:val="centerGroup"/>
-                    </m:oMathParaPr>
-                    <m:oMath xmlns:m="http://schemas.openxmlformats.org/officeDocument/2006/math">
-                      <m:d>
-                        <m:dPr>
-                          <m:begChr m:val="{"/>
-                          <m:endChr m:val="}"/>
-                          <m:ctrlPr>
-                            <a:rPr lang="en-US" sz="1400" i="1">
-                              <a:latin typeface="Cambria Math" panose="02040503050406030204" pitchFamily="18" charset="0"/>
-                              <a:ea typeface="Times New Roman" panose="02020603050405020304" pitchFamily="18" charset="0"/>
-                              <a:cs typeface="TH SarabunPSK" panose="020B0500040200020003" pitchFamily="34" charset="-34"/>
-                            </a:rPr>
-                          </m:ctrlPr>
-                        </m:dPr>
-                        <m:e>
-                          <m:sSub>
-                            <m:sSubPr>
-                              <m:ctrlPr>
-                                <a:rPr lang="en-US" sz="1400" i="1">
-                                  <a:latin typeface="Cambria Math" panose="02040503050406030204" pitchFamily="18" charset="0"/>
-                                  <a:ea typeface="Times New Roman" panose="02020603050405020304" pitchFamily="18" charset="0"/>
-                                  <a:cs typeface="TH SarabunPSK" panose="020B0500040200020003" pitchFamily="34" charset="-34"/>
-                                </a:rPr>
-                              </m:ctrlPr>
-                            </m:sSubPr>
-                            <m:e>
-                              <m:r>
-                                <a:rPr lang="en-US" sz="1400" i="1">
-                                  <a:latin typeface="Cambria Math" panose="02040503050406030204" pitchFamily="18" charset="0"/>
-                                  <a:ea typeface="Times New Roman" panose="02020603050405020304" pitchFamily="18" charset="0"/>
-                                  <a:cs typeface="TH SarabunPSK" panose="020B0500040200020003" pitchFamily="34" charset="-34"/>
-                                </a:rPr>
-                                <m:t>𝑋</m:t>
-                              </m:r>
-                            </m:e>
-                            <m:sub>
-                              <m:r>
-                                <a:rPr lang="en-US" sz="1400" i="1">
-                                  <a:latin typeface="Cambria Math" panose="02040503050406030204" pitchFamily="18" charset="0"/>
-                                  <a:ea typeface="Times New Roman" panose="02020603050405020304" pitchFamily="18" charset="0"/>
-                                  <a:cs typeface="TH SarabunPSK" panose="020B0500040200020003" pitchFamily="34" charset="-34"/>
-                                </a:rPr>
-                                <m:t>𝑗</m:t>
-                              </m:r>
-                            </m:sub>
-                          </m:sSub>
-                        </m:e>
-                      </m:d>
-                      <m:r>
-                        <a:rPr lang="en-US" sz="1400" i="1">
-                          <a:latin typeface="Cambria Math" panose="02040503050406030204" pitchFamily="18" charset="0"/>
-                          <a:ea typeface="Times New Roman" panose="02020603050405020304" pitchFamily="18" charset="0"/>
-                          <a:cs typeface="TH SarabunPSK" panose="020B0500040200020003" pitchFamily="34" charset="-34"/>
-                        </a:rPr>
-                        <m:t>=</m:t>
-                      </m:r>
-                      <m:d>
-                        <m:dPr>
-                          <m:begChr m:val="{"/>
-                          <m:endChr m:val="}"/>
-                          <m:ctrlPr>
-                            <a:rPr lang="en-US" sz="1400" i="1">
-                              <a:latin typeface="Cambria Math" panose="02040503050406030204" pitchFamily="18" charset="0"/>
-                              <a:ea typeface="Times New Roman" panose="02020603050405020304" pitchFamily="18" charset="0"/>
-                              <a:cs typeface="TH SarabunPSK" panose="020B0500040200020003" pitchFamily="34" charset="-34"/>
-                            </a:rPr>
-                          </m:ctrlPr>
-                        </m:dPr>
-                        <m:e>
-                          <m:r>
-                            <a:rPr lang="en-US" sz="1400" i="1">
-                              <a:latin typeface="Cambria Math" panose="02040503050406030204" pitchFamily="18" charset="0"/>
-                              <a:ea typeface="Times New Roman" panose="02020603050405020304" pitchFamily="18" charset="0"/>
-                              <a:cs typeface="TH SarabunPSK" panose="020B0500040200020003" pitchFamily="34" charset="-34"/>
-                            </a:rPr>
-                            <m:t>0.03, 0.05, 0.07, 0.09, 0.11</m:t>
-                          </m:r>
-                        </m:e>
-                      </m:d>
-                    </m:oMath>
-                  </m:oMathPara>
-                </a14:m>
-                <a:endParaRPr lang="en-US" sz="2000" dirty="0">
-                  <a:effectLst/>
-                  <a:latin typeface="Times New Roman" panose="02020603050405020304" pitchFamily="18" charset="0"/>
-                  <a:ea typeface="Times New Roman" panose="02020603050405020304" pitchFamily="18" charset="0"/>
-                </a:endParaRPr>
-              </a:p>
-              <a:p>
-                <a:pPr algn="ctr" fontAlgn="base">
-                  <a:lnSpc>
-                    <a:spcPct val="115000"/>
-                  </a:lnSpc>
-                </a:pPr>
-                <a14:m>
-                  <m:oMathPara xmlns:m="http://schemas.openxmlformats.org/officeDocument/2006/math">
-                    <m:oMathParaPr>
-                      <m:jc m:val="centerGroup"/>
-                    </m:oMathParaPr>
-                    <m:oMath xmlns:m="http://schemas.openxmlformats.org/officeDocument/2006/math">
-                      <m:d>
-                        <m:dPr>
-                          <m:begChr m:val="{"/>
-                          <m:endChr m:val="}"/>
-                          <m:ctrlPr>
-                            <a:rPr lang="en-US" sz="1400" i="1">
-                              <a:latin typeface="Cambria Math" panose="02040503050406030204" pitchFamily="18" charset="0"/>
-                              <a:ea typeface="Times New Roman" panose="02020603050405020304" pitchFamily="18" charset="0"/>
-                              <a:cs typeface="TH SarabunPSK" panose="020B0500040200020003" pitchFamily="34" charset="-34"/>
-                            </a:rPr>
-                          </m:ctrlPr>
-                        </m:dPr>
-                        <m:e>
-                          <m:sSub>
-                            <m:sSubPr>
-                              <m:ctrlPr>
-                                <a:rPr lang="en-US" sz="1400" i="1">
-                                  <a:latin typeface="Cambria Math" panose="02040503050406030204" pitchFamily="18" charset="0"/>
-                                  <a:ea typeface="Times New Roman" panose="02020603050405020304" pitchFamily="18" charset="0"/>
-                                  <a:cs typeface="TH SarabunPSK" panose="020B0500040200020003" pitchFamily="34" charset="-34"/>
-                                </a:rPr>
-                              </m:ctrlPr>
-                            </m:sSubPr>
-                            <m:e>
-                              <m:r>
-                                <a:rPr lang="en-US" sz="1400" i="1">
-                                  <a:latin typeface="Cambria Math" panose="02040503050406030204" pitchFamily="18" charset="0"/>
-                                  <a:ea typeface="Times New Roman" panose="02020603050405020304" pitchFamily="18" charset="0"/>
-                                  <a:cs typeface="TH SarabunPSK" panose="020B0500040200020003" pitchFamily="34" charset="-34"/>
-                                </a:rPr>
-                                <m:t>h</m:t>
-                              </m:r>
-                            </m:e>
-                            <m:sub>
-                              <m:r>
-                                <a:rPr lang="en-US" sz="1400" i="1">
-                                  <a:latin typeface="Cambria Math" panose="02040503050406030204" pitchFamily="18" charset="0"/>
-                                  <a:ea typeface="Times New Roman" panose="02020603050405020304" pitchFamily="18" charset="0"/>
-                                  <a:cs typeface="TH SarabunPSK" panose="020B0500040200020003" pitchFamily="34" charset="-34"/>
-                                </a:rPr>
-                                <m:t>𝑗</m:t>
-                              </m:r>
-                              <m:r>
-                                <a:rPr lang="en-US" sz="1400" i="1">
-                                  <a:latin typeface="Cambria Math" panose="02040503050406030204" pitchFamily="18" charset="0"/>
-                                  <a:ea typeface="Times New Roman" panose="02020603050405020304" pitchFamily="18" charset="0"/>
-                                  <a:cs typeface="TH SarabunPSK" panose="020B0500040200020003" pitchFamily="34" charset="-34"/>
-                                </a:rPr>
-                                <m:t>,</m:t>
-                              </m:r>
-                              <m:sSub>
-                                <m:sSubPr>
-                                  <m:ctrlPr>
-                                    <a:rPr lang="en-US" sz="1400" i="1">
-                                      <a:latin typeface="Cambria Math" panose="02040503050406030204" pitchFamily="18" charset="0"/>
-                                      <a:ea typeface="Times New Roman" panose="02020603050405020304" pitchFamily="18" charset="0"/>
-                                      <a:cs typeface="TH SarabunPSK" panose="020B0500040200020003" pitchFamily="34" charset="-34"/>
-                                    </a:rPr>
-                                  </m:ctrlPr>
-                                </m:sSubPr>
-                                <m:e>
-                                  <m:r>
-                                    <a:rPr lang="en-US" sz="1400" i="1">
-                                      <a:latin typeface="Cambria Math" panose="02040503050406030204" pitchFamily="18" charset="0"/>
-                                      <a:ea typeface="Times New Roman" panose="02020603050405020304" pitchFamily="18" charset="0"/>
-                                      <a:cs typeface="TH SarabunPSK" panose="020B0500040200020003" pitchFamily="34" charset="-34"/>
-                                    </a:rPr>
-                                    <m:t>𝑡</m:t>
-                                  </m:r>
-                                </m:e>
-                                <m:sub>
-                                  <m:r>
-                                    <a:rPr lang="en-US" sz="1400" i="1">
-                                      <a:latin typeface="Cambria Math" panose="02040503050406030204" pitchFamily="18" charset="0"/>
-                                      <a:ea typeface="Times New Roman" panose="02020603050405020304" pitchFamily="18" charset="0"/>
-                                      <a:cs typeface="TH SarabunPSK" panose="020B0500040200020003" pitchFamily="34" charset="-34"/>
-                                    </a:rPr>
-                                    <m:t>0</m:t>
-                                  </m:r>
-                                </m:sub>
-                              </m:sSub>
-                            </m:sub>
-                          </m:sSub>
-                        </m:e>
-                      </m:d>
-                      <m:r>
-                        <a:rPr lang="en-US" sz="1400" i="1">
-                          <a:latin typeface="Cambria Math" panose="02040503050406030204" pitchFamily="18" charset="0"/>
-                          <a:ea typeface="Times New Roman" panose="02020603050405020304" pitchFamily="18" charset="0"/>
-                          <a:cs typeface="TH SarabunPSK" panose="020B0500040200020003" pitchFamily="34" charset="-34"/>
-                        </a:rPr>
-                        <m:t>={0.15, 0.13, 0.11, 0.09, 0.07}</m:t>
-                      </m:r>
-                    </m:oMath>
-                  </m:oMathPara>
-                </a14:m>
-                <a:endParaRPr lang="en-US" sz="2000" dirty="0">
-                  <a:effectLst/>
-                  <a:latin typeface="Times New Roman" panose="02020603050405020304" pitchFamily="18" charset="0"/>
-                  <a:ea typeface="Times New Roman" panose="02020603050405020304" pitchFamily="18" charset="0"/>
-                </a:endParaRPr>
-              </a:p>
-            </p:txBody>
-          </p:sp>
-        </mc:Choice>
-        <mc:Fallback xmlns="">
-          <p:sp>
-            <p:nvSpPr>
-              <p:cNvPr id="6" name="Rectangle 5">
-                <a:extLst>
-                  <a:ext uri="{FF2B5EF4-FFF2-40B4-BE49-F238E27FC236}">
-                    <a16:creationId xmlns:a16="http://schemas.microsoft.com/office/drawing/2014/main" id="{8BDD29EE-988A-BB40-9A39-6EAEB96135B1}"/>
-                  </a:ext>
-                </a:extLst>
-              </p:cNvPr>
-              <p:cNvSpPr>
-                <a:spLocks noRot="1" noChangeAspect="1" noMove="1" noResize="1" noEditPoints="1" noAdjustHandles="1" noChangeArrowheads="1" noChangeShapeType="1" noTextEdit="1"/>
-              </p:cNvSpPr>
-              <p:nvPr/>
-            </p:nvSpPr>
-            <p:spPr>
-              <a:xfrm>
-                <a:off x="5043057" y="1736821"/>
-                <a:ext cx="4572000" cy="934871"/>
-              </a:xfrm>
-              <a:prstGeom prst="rect">
-                <a:avLst/>
-              </a:prstGeom>
-              <a:blipFill>
-                <a:blip r:embed="rId4"/>
-                <a:stretch>
-                  <a:fillRect/>
-                </a:stretch>
-              </a:blipFill>
-            </p:spPr>
-            <p:txBody>
-              <a:bodyPr/>
-              <a:lstStyle/>
-              <a:p>
-                <a:r>
-                  <a:rPr lang="en-US">
-                    <a:noFill/>
-                  </a:rPr>
-                  <a:t> </a:t>
-                </a:r>
-              </a:p>
-            </p:txBody>
-          </p:sp>
-        </mc:Fallback>
-      </mc:AlternateContent>
     </p:spTree>
     <p:extLst>
       <p:ext uri="{BB962C8B-B14F-4D97-AF65-F5344CB8AC3E}">
@@ -7715,15 +7319,49 @@
           </a:p>
         </p:txBody>
       </p:sp>
-      <p:sp>
-        <p:nvSpPr>
-          <p:cNvPr id="3" name="Content Placeholder 2">
+      <p:pic>
+        <p:nvPicPr>
+          <p:cNvPr id="4" name="Picture 3">
             <a:extLst>
               <a:ext uri="{FF2B5EF4-FFF2-40B4-BE49-F238E27FC236}">
-                <a16:creationId xmlns:a16="http://schemas.microsoft.com/office/drawing/2014/main" id="{295988E8-C786-4D54-B8F3-581320DF596C}"/>
+                <a16:creationId xmlns:a16="http://schemas.microsoft.com/office/drawing/2014/main" id="{EB46622B-F4F9-4F62-B499-16B9F74878BA}"/>
               </a:ext>
             </a:extLst>
           </p:cNvPr>
+          <p:cNvPicPr/>
+          <p:nvPr/>
+        </p:nvPicPr>
+        <p:blipFill>
+          <a:blip r:embed="rId2" cstate="print">
+            <a:extLst>
+              <a:ext uri="{28A0092B-C50C-407E-A947-70E740481C1C}">
+                <a14:useLocalDpi xmlns:a14="http://schemas.microsoft.com/office/drawing/2010/main" val="0"/>
+              </a:ext>
+            </a:extLst>
+          </a:blip>
+          <a:stretch>
+            <a:fillRect/>
+          </a:stretch>
+        </p:blipFill>
+        <p:spPr>
+          <a:xfrm>
+            <a:off x="709791" y="1931435"/>
+            <a:ext cx="7724418" cy="4023359"/>
+          </a:xfrm>
+          <a:prstGeom prst="rect">
+            <a:avLst/>
+          </a:prstGeom>
+        </p:spPr>
+      </p:pic>
+      <p:sp>
+        <p:nvSpPr>
+          <p:cNvPr id="6" name="Content Placeholder 5">
+            <a:extLst>
+              <a:ext uri="{FF2B5EF4-FFF2-40B4-BE49-F238E27FC236}">
+                <a16:creationId xmlns:a16="http://schemas.microsoft.com/office/drawing/2014/main" id="{B7EE1B38-6D7B-4556-BE0C-1FAC51FD18BB}"/>
+              </a:ext>
+            </a:extLst>
+          </p:cNvPr>
           <p:cNvSpPr>
             <a:spLocks noGrp="1"/>
           </p:cNvSpPr>
@@ -7733,29 +7371,10 @@
         </p:nvSpPr>
         <p:spPr/>
         <p:txBody>
-          <a:bodyPr>
-            <a:normAutofit/>
-          </a:bodyPr>
+          <a:bodyPr/>
           <a:lstStyle/>
           <a:p>
-            <a:pPr>
-              <a:buFont typeface="Wingdings" panose="05000000000000000000" pitchFamily="2" charset="2"/>
-              <a:buChar char="§"/>
-            </a:pPr>
-            <a:r>
-              <a:rPr lang="en-US" sz="2400" dirty="0"/>
-              <a:t>  Geometric Brownian Motion (GBM)</a:t>
-            </a:r>
-          </a:p>
-          <a:p>
-            <a:pPr>
-              <a:buFont typeface="Wingdings" panose="05000000000000000000" pitchFamily="2" charset="2"/>
-              <a:buChar char="§"/>
-            </a:pPr>
-            <a:r>
-              <a:rPr lang="en-US" sz="2400" dirty="0"/>
-              <a:t>  Heston Model</a:t>
-            </a:r>
+            <a:endParaRPr lang="en-US" dirty="0"/>
           </a:p>
         </p:txBody>
       </p:sp>
